--- a/Projet Fil rouge/1 -Analyse du Besoin/Arborescence  Pages/arborescence des pages.pptx
+++ b/Projet Fil rouge/1 -Analyse du Besoin/Arborescence  Pages/arborescence des pages.pptx
@@ -4779,6 +4779,103 @@
           </a:fontRef>
         </p:style>
       </p:cxnSp>
+      <p:cxnSp>
+        <p:nvCxnSpPr>
+          <p:cNvPr id="5" name="Connecteur droit 4"/>
+          <p:cNvCxnSpPr/>
+          <p:nvPr/>
+        </p:nvCxnSpPr>
+        <p:spPr>
+          <a:xfrm>
+            <a:off x="8693729" y="2348346"/>
+            <a:ext cx="2874820" cy="6169"/>
+          </a:xfrm>
+          <a:prstGeom prst="line">
+            <a:avLst/>
+          </a:prstGeom>
+          <a:ln w="28575"/>
+        </p:spPr>
+        <p:style>
+          <a:lnRef idx="1">
+            <a:schemeClr val="accent1"/>
+          </a:lnRef>
+          <a:fillRef idx="0">
+            <a:schemeClr val="accent1"/>
+          </a:fillRef>
+          <a:effectRef idx="0">
+            <a:schemeClr val="accent1"/>
+          </a:effectRef>
+          <a:fontRef idx="minor">
+            <a:schemeClr val="tx1"/>
+          </a:fontRef>
+        </p:style>
+      </p:cxnSp>
+      <p:cxnSp>
+        <p:nvCxnSpPr>
+          <p:cNvPr id="14" name="Connecteur droit 13"/>
+          <p:cNvCxnSpPr>
+            <a:endCxn id="19" idx="0"/>
+          </p:cNvCxnSpPr>
+          <p:nvPr/>
+        </p:nvCxnSpPr>
+        <p:spPr>
+          <a:xfrm>
+            <a:off x="10153652" y="2358736"/>
+            <a:ext cx="0" cy="446809"/>
+          </a:xfrm>
+          <a:prstGeom prst="line">
+            <a:avLst/>
+          </a:prstGeom>
+          <a:ln w="28575"/>
+        </p:spPr>
+        <p:style>
+          <a:lnRef idx="1">
+            <a:schemeClr val="accent1"/>
+          </a:lnRef>
+          <a:fillRef idx="0">
+            <a:schemeClr val="accent1"/>
+          </a:fillRef>
+          <a:effectRef idx="0">
+            <a:schemeClr val="accent1"/>
+          </a:effectRef>
+          <a:fontRef idx="minor">
+            <a:schemeClr val="tx1"/>
+          </a:fontRef>
+        </p:style>
+      </p:cxnSp>
+      <p:cxnSp>
+        <p:nvCxnSpPr>
+          <p:cNvPr id="27" name="Connecteur droit 26"/>
+          <p:cNvCxnSpPr>
+            <a:endCxn id="125" idx="0"/>
+          </p:cNvCxnSpPr>
+          <p:nvPr/>
+        </p:nvCxnSpPr>
+        <p:spPr>
+          <a:xfrm>
+            <a:off x="11532596" y="2378870"/>
+            <a:ext cx="1" cy="416284"/>
+          </a:xfrm>
+          <a:prstGeom prst="line">
+            <a:avLst/>
+          </a:prstGeom>
+          <a:ln w="28575"/>
+        </p:spPr>
+        <p:style>
+          <a:lnRef idx="1">
+            <a:schemeClr val="accent1"/>
+          </a:lnRef>
+          <a:fillRef idx="0">
+            <a:schemeClr val="accent1"/>
+          </a:fillRef>
+          <a:effectRef idx="0">
+            <a:schemeClr val="accent1"/>
+          </a:effectRef>
+          <a:fontRef idx="minor">
+            <a:schemeClr val="tx1"/>
+          </a:fontRef>
+        </p:style>
+      </p:cxnSp>
     </p:spTree>
     <p:extLst>
       <p:ext uri="{BB962C8B-B14F-4D97-AF65-F5344CB8AC3E}">
